--- a/졸작_기획/XD_기획_초안.pptx
+++ b/졸작_기획/XD_기획_초안.pptx
@@ -5,7 +5,7 @@
     <p:sldMasterId id="2147483683" r:id="rId1"/>
   </p:sldMasterIdLst>
   <p:notesMasterIdLst>
-    <p:notesMasterId r:id="rId14"/>
+    <p:notesMasterId r:id="rId15"/>
   </p:notesMasterIdLst>
   <p:sldIdLst>
     <p:sldId id="256" r:id="rId2"/>
@@ -20,42 +20,43 @@
     <p:sldId id="321" r:id="rId11"/>
     <p:sldId id="316" r:id="rId12"/>
     <p:sldId id="322" r:id="rId13"/>
+    <p:sldId id="324" r:id="rId14"/>
   </p:sldIdLst>
   <p:sldSz cx="9144000" cy="5143500" type="screen16x9"/>
   <p:notesSz cx="6858000" cy="9144000"/>
   <p:embeddedFontLst>
     <p:embeddedFont>
+      <p:font typeface="Advent Pro" panose="020B0600000101010101" charset="0"/>
+      <p:regular r:id="rId16"/>
+      <p:bold r:id="rId17"/>
+    </p:embeddedFont>
+    <p:embeddedFont>
+      <p:font typeface="Livvic" pitchFamily="2" charset="0"/>
+      <p:regular r:id="rId18"/>
+      <p:bold r:id="rId19"/>
+      <p:italic r:id="rId20"/>
+      <p:boldItalic r:id="rId21"/>
+    </p:embeddedFont>
+    <p:embeddedFont>
+      <p:font typeface="Roboto Condensed Light" panose="02000000000000000000" pitchFamily="2" charset="0"/>
+      <p:regular r:id="rId22"/>
+      <p:italic r:id="rId23"/>
+    </p:embeddedFont>
+    <p:embeddedFont>
       <p:font typeface="나눔스퀘어 ExtraBold" panose="020B0600000101010101" pitchFamily="50" charset="-127"/>
-      <p:bold r:id="rId15"/>
+      <p:bold r:id="rId24"/>
     </p:embeddedFont>
     <p:embeddedFont>
       <p:font typeface="나눔스퀘어_ac Bold" panose="020B0600000101010101" pitchFamily="50" charset="-127"/>
-      <p:bold r:id="rId16"/>
+      <p:bold r:id="rId25"/>
     </p:embeddedFont>
     <p:embeddedFont>
       <p:font typeface="에스코어 드림 9 Black" panose="020B0A03030302020204" pitchFamily="34" charset="-127"/>
-      <p:bold r:id="rId17"/>
+      <p:bold r:id="rId26"/>
     </p:embeddedFont>
     <p:embeddedFont>
       <p:font typeface="여기어때 잘난체" panose="020B0600000101010101" pitchFamily="50" charset="-127"/>
-      <p:bold r:id="rId18"/>
-    </p:embeddedFont>
-    <p:embeddedFont>
-      <p:font typeface="Advent Pro" panose="020B0600000101010101" charset="0"/>
-      <p:regular r:id="rId19"/>
-      <p:bold r:id="rId20"/>
-    </p:embeddedFont>
-    <p:embeddedFont>
-      <p:font typeface="Livvic" pitchFamily="2" charset="0"/>
-      <p:regular r:id="rId21"/>
-      <p:bold r:id="rId22"/>
-      <p:italic r:id="rId23"/>
-      <p:boldItalic r:id="rId24"/>
-    </p:embeddedFont>
-    <p:embeddedFont>
-      <p:font typeface="Roboto Condensed Light" panose="02000000000000000000" pitchFamily="2" charset="0"/>
-      <p:regular r:id="rId25"/>
-      <p:italic r:id="rId26"/>
+      <p:bold r:id="rId27"/>
     </p:embeddedFont>
   </p:embeddedFontLst>
   <p:defaultTextStyle>
@@ -287,6 +288,11 @@
       </a:defRPr>
     </a:lvl9pPr>
   </p:defaultTextStyle>
+  <p:extLst>
+    <p:ext uri="{EFAFB233-063F-42B5-8137-9DF3F51BA10A}">
+      <p15:sldGuideLst xmlns:p15="http://schemas.microsoft.com/office/powerpoint/2012/main"/>
+    </p:ext>
+  </p:extLst>
 </p:presentation>
 </file>
 
@@ -1153,6 +1159,115 @@
     <p:extLst>
       <p:ext uri="{BB962C8B-B14F-4D97-AF65-F5344CB8AC3E}">
         <p14:creationId xmlns:p14="http://schemas.microsoft.com/office/powerpoint/2010/main" val="3779587693"/>
+      </p:ext>
+    </p:extLst>
+  </p:cSld>
+  <p:clrMapOvr>
+    <a:masterClrMapping/>
+  </p:clrMapOvr>
+</p:notes>
+</file>
+
+<file path=ppt/notesSlides/notesSlide13.xml><?xml version="1.0" encoding="utf-8"?>
+<p:notes xmlns:a="http://schemas.openxmlformats.org/drawingml/2006/main" xmlns:r="http://schemas.openxmlformats.org/officeDocument/2006/relationships" xmlns:p="http://schemas.openxmlformats.org/presentationml/2006/main" showMasterSp="0" showMasterPhAnim="0">
+  <p:cSld>
+    <p:spTree>
+      <p:nvGrpSpPr>
+        <p:cNvPr id="1" name="Shape 991"/>
+        <p:cNvGrpSpPr/>
+        <p:nvPr/>
+      </p:nvGrpSpPr>
+      <p:grpSpPr>
+        <a:xfrm>
+          <a:off x="0" y="0"/>
+          <a:ext cx="0" cy="0"/>
+          <a:chOff x="0" y="0"/>
+          <a:chExt cx="0" cy="0"/>
+        </a:xfrm>
+      </p:grpSpPr>
+      <p:sp>
+        <p:nvSpPr>
+          <p:cNvPr id="992" name="Google Shape;992;g6da1c9a35e_0_264:notes"/>
+          <p:cNvSpPr>
+            <a:spLocks noGrp="1" noRot="1" noChangeAspect="1"/>
+          </p:cNvSpPr>
+          <p:nvPr>
+            <p:ph type="sldImg" idx="2"/>
+          </p:nvPr>
+        </p:nvSpPr>
+        <p:spPr>
+          <a:xfrm>
+            <a:off x="381000" y="685800"/>
+            <a:ext cx="6096000" cy="3429000"/>
+          </a:xfrm>
+          <a:custGeom>
+            <a:avLst/>
+            <a:gdLst/>
+            <a:ahLst/>
+            <a:cxnLst/>
+            <a:rect l="l" t="t" r="r" b="b"/>
+            <a:pathLst>
+              <a:path w="120000" h="120000" extrusionOk="0">
+                <a:moveTo>
+                  <a:pt x="0" y="0"/>
+                </a:moveTo>
+                <a:lnTo>
+                  <a:pt x="120000" y="0"/>
+                </a:lnTo>
+                <a:lnTo>
+                  <a:pt x="120000" y="120000"/>
+                </a:lnTo>
+                <a:lnTo>
+                  <a:pt x="0" y="120000"/>
+                </a:lnTo>
+                <a:close/>
+              </a:path>
+            </a:pathLst>
+          </a:custGeom>
+        </p:spPr>
+      </p:sp>
+      <p:sp>
+        <p:nvSpPr>
+          <p:cNvPr id="993" name="Google Shape;993;g6da1c9a35e_0_264:notes"/>
+          <p:cNvSpPr txBox="1">
+            <a:spLocks noGrp="1"/>
+          </p:cNvSpPr>
+          <p:nvPr>
+            <p:ph type="body" idx="1"/>
+          </p:nvPr>
+        </p:nvSpPr>
+        <p:spPr>
+          <a:xfrm>
+            <a:off x="685800" y="4343400"/>
+            <a:ext cx="5486400" cy="4114800"/>
+          </a:xfrm>
+          <a:prstGeom prst="rect">
+            <a:avLst/>
+          </a:prstGeom>
+        </p:spPr>
+        <p:txBody>
+          <a:bodyPr spcFirstLastPara="1" wrap="square" lIns="91425" tIns="91425" rIns="91425" bIns="91425" anchor="t" anchorCtr="0">
+            <a:noAutofit/>
+          </a:bodyPr>
+          <a:lstStyle/>
+          <a:p>
+            <a:pPr marL="0" lvl="0" indent="0" algn="l" rtl="0">
+              <a:spcBef>
+                <a:spcPts val="0"/>
+              </a:spcBef>
+              <a:spcAft>
+                <a:spcPts val="0"/>
+              </a:spcAft>
+              <a:buNone/>
+            </a:pPr>
+            <a:endParaRPr/>
+          </a:p>
+        </p:txBody>
+      </p:sp>
+    </p:spTree>
+    <p:extLst>
+      <p:ext uri="{BB962C8B-B14F-4D97-AF65-F5344CB8AC3E}">
+        <p14:creationId xmlns:p14="http://schemas.microsoft.com/office/powerpoint/2010/main" val="478351404"/>
       </p:ext>
     </p:extLst>
   </p:cSld>
@@ -18170,6 +18285,272 @@
 </p:sld>
 </file>
 
+<file path=ppt/slides/slide13.xml><?xml version="1.0" encoding="utf-8"?>
+<p:sld xmlns:a="http://schemas.openxmlformats.org/drawingml/2006/main" xmlns:r="http://schemas.openxmlformats.org/officeDocument/2006/relationships" xmlns:p="http://schemas.openxmlformats.org/presentationml/2006/main">
+  <p:cSld>
+    <p:spTree>
+      <p:nvGrpSpPr>
+        <p:cNvPr id="1" name="Shape 994"/>
+        <p:cNvGrpSpPr/>
+        <p:nvPr/>
+      </p:nvGrpSpPr>
+      <p:grpSpPr>
+        <a:xfrm>
+          <a:off x="0" y="0"/>
+          <a:ext cx="0" cy="0"/>
+          <a:chOff x="0" y="0"/>
+          <a:chExt cx="0" cy="0"/>
+        </a:xfrm>
+      </p:grpSpPr>
+      <p:sp>
+        <p:nvSpPr>
+          <p:cNvPr id="995" name="Google Shape;995;p57"/>
+          <p:cNvSpPr txBox="1">
+            <a:spLocks noGrp="1"/>
+          </p:cNvSpPr>
+          <p:nvPr>
+            <p:ph type="body" idx="1"/>
+          </p:nvPr>
+        </p:nvSpPr>
+        <p:spPr>
+          <a:xfrm>
+            <a:off x="778202" y="1970625"/>
+            <a:ext cx="3561900" cy="1365273"/>
+          </a:xfrm>
+          <a:prstGeom prst="rect">
+            <a:avLst/>
+          </a:prstGeom>
+        </p:spPr>
+        <p:txBody>
+          <a:bodyPr spcFirstLastPara="1" wrap="square" lIns="91425" tIns="91425" rIns="91425" bIns="91425" anchor="t" anchorCtr="0">
+            <a:noAutofit/>
+          </a:bodyPr>
+          <a:lstStyle/>
+          <a:p>
+            <a:pPr marL="457200" lvl="0" indent="-317500" algn="l" rtl="0">
+              <a:spcBef>
+                <a:spcPts val="0"/>
+              </a:spcBef>
+              <a:spcAft>
+                <a:spcPts val="0"/>
+              </a:spcAft>
+              <a:buClr>
+                <a:schemeClr val="lt2"/>
+              </a:buClr>
+              <a:buSzPts val="1400"/>
+              <a:buChar char="●"/>
+            </a:pPr>
+            <a:r>
+              <a:rPr lang="ko-KR" altLang="en-US" sz="1600" dirty="0">
+                <a:latin typeface="나눔스퀘어 ExtraBold" panose="020B0600000101010101" pitchFamily="50" charset="-127"/>
+                <a:ea typeface="나눔스퀘어 ExtraBold" panose="020B0600000101010101" pitchFamily="50" charset="-127"/>
+              </a:rPr>
+              <a:t>간접피해</a:t>
+            </a:r>
+            <a:r>
+              <a:rPr lang="en-US" altLang="ko-KR" sz="1600" dirty="0">
+                <a:solidFill>
+                  <a:schemeClr val="tx1">
+                    <a:lumMod val="50000"/>
+                    <a:lumOff val="50000"/>
+                  </a:schemeClr>
+                </a:solidFill>
+                <a:latin typeface="나눔스퀘어 ExtraBold" panose="020B0600000101010101" pitchFamily="50" charset="-127"/>
+                <a:ea typeface="나눔스퀘어 ExtraBold" panose="020B0600000101010101" pitchFamily="50" charset="-127"/>
+              </a:rPr>
+              <a:t>(</a:t>
+            </a:r>
+            <a:r>
+              <a:rPr lang="ko-KR" altLang="en-US" sz="1600" dirty="0">
+                <a:solidFill>
+                  <a:schemeClr val="tx1">
+                    <a:lumMod val="50000"/>
+                    <a:lumOff val="50000"/>
+                  </a:schemeClr>
+                </a:solidFill>
+                <a:latin typeface="나눔스퀘어 ExtraBold" panose="020B0600000101010101" pitchFamily="50" charset="-127"/>
+                <a:ea typeface="나눔스퀘어 ExtraBold" panose="020B0600000101010101" pitchFamily="50" charset="-127"/>
+              </a:rPr>
+              <a:t>지형 포격에 대한 돌과 같은 장애물들에 대한 피격</a:t>
+            </a:r>
+            <a:r>
+              <a:rPr lang="en-US" altLang="ko-KR" sz="1600" dirty="0">
+                <a:solidFill>
+                  <a:schemeClr val="tx1">
+                    <a:lumMod val="50000"/>
+                    <a:lumOff val="50000"/>
+                  </a:schemeClr>
+                </a:solidFill>
+                <a:latin typeface="나눔스퀘어 ExtraBold" panose="020B0600000101010101" pitchFamily="50" charset="-127"/>
+                <a:ea typeface="나눔스퀘어 ExtraBold" panose="020B0600000101010101" pitchFamily="50" charset="-127"/>
+              </a:rPr>
+              <a:t>)</a:t>
+            </a:r>
+            <a:r>
+              <a:rPr lang="ko-KR" altLang="en-US" sz="1600" dirty="0">
+                <a:latin typeface="나눔스퀘어 ExtraBold" panose="020B0600000101010101" pitchFamily="50" charset="-127"/>
+                <a:ea typeface="나눔스퀘어 ExtraBold" panose="020B0600000101010101" pitchFamily="50" charset="-127"/>
+              </a:rPr>
+              <a:t>처럼 피격된 파편들이 물리적으로 튀기는 모습을 표현</a:t>
+            </a:r>
+            <a:endParaRPr sz="1600" dirty="0">
+              <a:latin typeface="나눔스퀘어 ExtraBold" panose="020B0600000101010101" pitchFamily="50" charset="-127"/>
+              <a:ea typeface="나눔스퀘어 ExtraBold" panose="020B0600000101010101" pitchFamily="50" charset="-127"/>
+            </a:endParaRPr>
+          </a:p>
+        </p:txBody>
+      </p:sp>
+      <p:sp>
+        <p:nvSpPr>
+          <p:cNvPr id="997" name="Google Shape;997;p57"/>
+          <p:cNvSpPr txBox="1">
+            <a:spLocks noGrp="1"/>
+          </p:cNvSpPr>
+          <p:nvPr>
+            <p:ph type="title"/>
+          </p:nvPr>
+        </p:nvSpPr>
+        <p:spPr>
+          <a:xfrm>
+            <a:off x="39300" y="358725"/>
+            <a:ext cx="9065400" cy="572700"/>
+          </a:xfrm>
+          <a:prstGeom prst="rect">
+            <a:avLst/>
+          </a:prstGeom>
+        </p:spPr>
+        <p:txBody>
+          <a:bodyPr spcFirstLastPara="1" wrap="square" lIns="91425" tIns="91425" rIns="91425" bIns="91425" anchor="t" anchorCtr="0">
+            <a:noAutofit/>
+          </a:bodyPr>
+          <a:lstStyle/>
+          <a:p>
+            <a:pPr marL="0" lvl="0" indent="0" algn="ctr" rtl="0">
+              <a:spcBef>
+                <a:spcPts val="0"/>
+              </a:spcBef>
+              <a:spcAft>
+                <a:spcPts val="0"/>
+              </a:spcAft>
+              <a:buNone/>
+            </a:pPr>
+            <a:r>
+              <a:rPr lang="ko-KR" altLang="en-US" dirty="0">
+                <a:latin typeface="여기어때 잘난체" panose="020B0600000101010101" pitchFamily="50" charset="-127"/>
+                <a:ea typeface="여기어때 잘난체" panose="020B0600000101010101" pitchFamily="50" charset="-127"/>
+              </a:rPr>
+              <a:t>중점 연구</a:t>
+            </a:r>
+            <a:endParaRPr dirty="0">
+              <a:latin typeface="여기어때 잘난체" panose="020B0600000101010101" pitchFamily="50" charset="-127"/>
+              <a:ea typeface="여기어때 잘난체" panose="020B0600000101010101" pitchFamily="50" charset="-127"/>
+            </a:endParaRPr>
+          </a:p>
+        </p:txBody>
+      </p:sp>
+      <p:sp>
+        <p:nvSpPr>
+          <p:cNvPr id="998" name="Google Shape;998;p57"/>
+          <p:cNvSpPr txBox="1">
+            <a:spLocks noGrp="1"/>
+          </p:cNvSpPr>
+          <p:nvPr>
+            <p:ph type="title" idx="3"/>
+          </p:nvPr>
+        </p:nvSpPr>
+        <p:spPr>
+          <a:xfrm>
+            <a:off x="778202" y="1312925"/>
+            <a:ext cx="2337300" cy="572700"/>
+          </a:xfrm>
+          <a:prstGeom prst="rect">
+            <a:avLst/>
+          </a:prstGeom>
+        </p:spPr>
+        <p:txBody>
+          <a:bodyPr spcFirstLastPara="1" wrap="square" lIns="91425" tIns="91425" rIns="91425" bIns="91425" anchor="b" anchorCtr="0">
+            <a:noAutofit/>
+          </a:bodyPr>
+          <a:lstStyle/>
+          <a:p>
+            <a:pPr marL="0" lvl="0" indent="0" algn="l" rtl="0">
+              <a:spcBef>
+                <a:spcPts val="0"/>
+              </a:spcBef>
+              <a:spcAft>
+                <a:spcPts val="0"/>
+              </a:spcAft>
+              <a:buNone/>
+            </a:pPr>
+            <a:r>
+              <a:rPr lang="ko-KR" altLang="en-US" sz="1800" dirty="0" err="1">
+                <a:latin typeface="나눔스퀘어 ExtraBold" panose="020B0600000101010101" pitchFamily="50" charset="-127"/>
+                <a:ea typeface="나눔스퀘어 ExtraBold" panose="020B0600000101010101" pitchFamily="50" charset="-127"/>
+              </a:rPr>
+              <a:t>파티클</a:t>
+            </a:r>
+            <a:endParaRPr sz="1800" dirty="0">
+              <a:latin typeface="나눔스퀘어 ExtraBold" panose="020B0600000101010101" pitchFamily="50" charset="-127"/>
+              <a:ea typeface="나눔스퀘어 ExtraBold" panose="020B0600000101010101" pitchFamily="50" charset="-127"/>
+            </a:endParaRPr>
+          </a:p>
+        </p:txBody>
+      </p:sp>
+      <p:sp>
+        <p:nvSpPr>
+          <p:cNvPr id="1000" name="Google Shape;1000;p57"/>
+          <p:cNvSpPr/>
+          <p:nvPr/>
+        </p:nvSpPr>
+        <p:spPr>
+          <a:xfrm>
+            <a:off x="4198050" y="964300"/>
+            <a:ext cx="747900" cy="30300"/>
+          </a:xfrm>
+          <a:prstGeom prst="roundRect">
+            <a:avLst>
+              <a:gd name="adj" fmla="val 50000"/>
+            </a:avLst>
+          </a:prstGeom>
+          <a:solidFill>
+            <a:schemeClr val="accent4"/>
+          </a:solidFill>
+          <a:ln>
+            <a:noFill/>
+          </a:ln>
+        </p:spPr>
+        <p:txBody>
+          <a:bodyPr spcFirstLastPara="1" wrap="square" lIns="91425" tIns="91425" rIns="91425" bIns="91425" anchor="ctr" anchorCtr="0">
+            <a:noAutofit/>
+          </a:bodyPr>
+          <a:lstStyle/>
+          <a:p>
+            <a:pPr marL="0" lvl="0" indent="0" algn="l" rtl="0">
+              <a:spcBef>
+                <a:spcPts val="0"/>
+              </a:spcBef>
+              <a:spcAft>
+                <a:spcPts val="0"/>
+              </a:spcAft>
+              <a:buNone/>
+            </a:pPr>
+            <a:endParaRPr/>
+          </a:p>
+        </p:txBody>
+      </p:sp>
+    </p:spTree>
+    <p:extLst>
+      <p:ext uri="{BB962C8B-B14F-4D97-AF65-F5344CB8AC3E}">
+        <p14:creationId xmlns:p14="http://schemas.microsoft.com/office/powerpoint/2010/main" val="3153252001"/>
+      </p:ext>
+    </p:extLst>
+  </p:cSld>
+  <p:clrMapOvr>
+    <a:masterClrMapping/>
+  </p:clrMapOvr>
+</p:sld>
+</file>
+
 <file path=ppt/slides/slide2.xml><?xml version="1.0" encoding="utf-8"?>
 <p:sld xmlns:a="http://schemas.openxmlformats.org/drawingml/2006/main" xmlns:r="http://schemas.openxmlformats.org/officeDocument/2006/relationships" xmlns:p="http://schemas.openxmlformats.org/presentationml/2006/main">
   <p:cSld>
@@ -23743,10 +24124,200 @@
               <a:buChar char="●"/>
             </a:pPr>
             <a:r>
-              <a:rPr lang="en-US" dirty="0"/>
-              <a:t>None</a:t>
+              <a:rPr lang="en-US" dirty="0" err="1">
+                <a:latin typeface="나눔스퀘어 ExtraBold" panose="020B0600000101010101" pitchFamily="50" charset="-127"/>
+                <a:ea typeface="나눔스퀘어 ExtraBold" panose="020B0600000101010101" pitchFamily="50" charset="-127"/>
+              </a:rPr>
+              <a:t>Falso</a:t>
             </a:r>
-            <a:endParaRPr dirty="0"/>
+            <a:r>
+              <a:rPr lang="en-US" dirty="0">
+                <a:latin typeface="나눔스퀘어 ExtraBold" panose="020B0600000101010101" pitchFamily="50" charset="-127"/>
+                <a:ea typeface="나눔스퀘어 ExtraBold" panose="020B0600000101010101" pitchFamily="50" charset="-127"/>
+              </a:rPr>
+              <a:t> </a:t>
+            </a:r>
+            <a:r>
+              <a:rPr lang="ko-KR" altLang="en-US" dirty="0">
+                <a:latin typeface="나눔스퀘어 ExtraBold" panose="020B0600000101010101" pitchFamily="50" charset="-127"/>
+                <a:ea typeface="나눔스퀘어 ExtraBold" panose="020B0600000101010101" pitchFamily="50" charset="-127"/>
+              </a:rPr>
+              <a:t>팀과 적대하는 팀</a:t>
+            </a:r>
+            <a:endParaRPr lang="en-US" altLang="ko-KR" dirty="0">
+              <a:latin typeface="나눔스퀘어 ExtraBold" panose="020B0600000101010101" pitchFamily="50" charset="-127"/>
+              <a:ea typeface="나눔스퀘어 ExtraBold" panose="020B0600000101010101" pitchFamily="50" charset="-127"/>
+            </a:endParaRPr>
+          </a:p>
+          <a:p>
+            <a:pPr marL="457200" lvl="0" indent="-317500" algn="l" rtl="0">
+              <a:spcBef>
+                <a:spcPts val="0"/>
+              </a:spcBef>
+              <a:spcAft>
+                <a:spcPts val="0"/>
+              </a:spcAft>
+              <a:buClr>
+                <a:schemeClr val="lt2"/>
+              </a:buClr>
+              <a:buSzPts val="1400"/>
+              <a:buChar char="●"/>
+            </a:pPr>
+            <a:endParaRPr lang="en-US" altLang="ko-KR" dirty="0">
+              <a:latin typeface="나눔스퀘어 ExtraBold" panose="020B0600000101010101" pitchFamily="50" charset="-127"/>
+              <a:ea typeface="나눔스퀘어 ExtraBold" panose="020B0600000101010101" pitchFamily="50" charset="-127"/>
+            </a:endParaRPr>
+          </a:p>
+          <a:p>
+            <a:pPr marL="457200" lvl="0" indent="-317500" algn="l" rtl="0">
+              <a:spcBef>
+                <a:spcPts val="0"/>
+              </a:spcBef>
+              <a:spcAft>
+                <a:spcPts val="0"/>
+              </a:spcAft>
+              <a:buClr>
+                <a:schemeClr val="lt2"/>
+              </a:buClr>
+              <a:buSzPts val="1400"/>
+              <a:buChar char="●"/>
+            </a:pPr>
+            <a:r>
+              <a:rPr lang="en-US" dirty="0" err="1">
+                <a:latin typeface="나눔스퀘어 ExtraBold" panose="020B0600000101010101" pitchFamily="50" charset="-127"/>
+                <a:ea typeface="나눔스퀘어 ExtraBold" panose="020B0600000101010101" pitchFamily="50" charset="-127"/>
+              </a:rPr>
+              <a:t>Verita</a:t>
+            </a:r>
+            <a:r>
+              <a:rPr lang="ko-KR" altLang="en-US" dirty="0">
+                <a:latin typeface="나눔스퀘어 ExtraBold" panose="020B0600000101010101" pitchFamily="50" charset="-127"/>
+                <a:ea typeface="나눔스퀘어 ExtraBold" panose="020B0600000101010101" pitchFamily="50" charset="-127"/>
+              </a:rPr>
+              <a:t>의 전용 탱크</a:t>
+            </a:r>
+            <a:r>
+              <a:rPr lang="en-US" altLang="ko-KR" dirty="0">
+                <a:latin typeface="나눔스퀘어 ExtraBold" panose="020B0600000101010101" pitchFamily="50" charset="-127"/>
+                <a:ea typeface="나눔스퀘어 ExtraBold" panose="020B0600000101010101" pitchFamily="50" charset="-127"/>
+              </a:rPr>
+              <a:t>, </a:t>
+            </a:r>
+            <a:r>
+              <a:rPr lang="ko-KR" altLang="en-US" dirty="0">
+                <a:latin typeface="나눔스퀘어 ExtraBold" panose="020B0600000101010101" pitchFamily="50" charset="-127"/>
+                <a:ea typeface="나눔스퀘어 ExtraBold" panose="020B0600000101010101" pitchFamily="50" charset="-127"/>
+              </a:rPr>
+              <a:t>헬기 </a:t>
+            </a:r>
+            <a:endParaRPr lang="en-US" altLang="ko-KR" dirty="0">
+              <a:latin typeface="나눔스퀘어 ExtraBold" panose="020B0600000101010101" pitchFamily="50" charset="-127"/>
+              <a:ea typeface="나눔스퀘어 ExtraBold" panose="020B0600000101010101" pitchFamily="50" charset="-127"/>
+            </a:endParaRPr>
+          </a:p>
+          <a:p>
+            <a:pPr marL="457200" lvl="0" indent="-317500" algn="l" rtl="0">
+              <a:spcBef>
+                <a:spcPts val="0"/>
+              </a:spcBef>
+              <a:spcAft>
+                <a:spcPts val="0"/>
+              </a:spcAft>
+              <a:buClr>
+                <a:schemeClr val="lt2"/>
+              </a:buClr>
+              <a:buSzPts val="1400"/>
+              <a:buChar char="●"/>
+            </a:pPr>
+            <a:endParaRPr lang="en-US" altLang="ko-KR" dirty="0">
+              <a:latin typeface="나눔스퀘어 ExtraBold" panose="020B0600000101010101" pitchFamily="50" charset="-127"/>
+              <a:ea typeface="나눔스퀘어 ExtraBold" panose="020B0600000101010101" pitchFamily="50" charset="-127"/>
+            </a:endParaRPr>
+          </a:p>
+          <a:p>
+            <a:pPr marL="457200" lvl="0" indent="-317500" algn="l" rtl="0">
+              <a:spcBef>
+                <a:spcPts val="0"/>
+              </a:spcBef>
+              <a:spcAft>
+                <a:spcPts val="0"/>
+              </a:spcAft>
+              <a:buClr>
+                <a:schemeClr val="lt2"/>
+              </a:buClr>
+              <a:buSzPts val="1400"/>
+              <a:buChar char="●"/>
+            </a:pPr>
+            <a:r>
+              <a:rPr lang="ko-KR" altLang="en-US" dirty="0">
+                <a:latin typeface="나눔스퀘어 ExtraBold" panose="020B0600000101010101" pitchFamily="50" charset="-127"/>
+                <a:ea typeface="나눔스퀘어 ExtraBold" panose="020B0600000101010101" pitchFamily="50" charset="-127"/>
+              </a:rPr>
+              <a:t>전용 탱크와 헬기에 따른 </a:t>
+            </a:r>
+            <a:r>
+              <a:rPr lang="en-US" altLang="ko-KR" dirty="0" err="1">
+                <a:latin typeface="나눔스퀘어 ExtraBold" panose="020B0600000101010101" pitchFamily="50" charset="-127"/>
+                <a:ea typeface="나눔스퀘어 ExtraBold" panose="020B0600000101010101" pitchFamily="50" charset="-127"/>
+              </a:rPr>
+              <a:t>Verita</a:t>
+            </a:r>
+            <a:r>
+              <a:rPr lang="ko-KR" altLang="en-US" dirty="0">
+                <a:latin typeface="나눔스퀘어 ExtraBold" panose="020B0600000101010101" pitchFamily="50" charset="-127"/>
+                <a:ea typeface="나눔스퀘어 ExtraBold" panose="020B0600000101010101" pitchFamily="50" charset="-127"/>
+              </a:rPr>
+              <a:t>만의 전용 기술</a:t>
+            </a:r>
+            <a:endParaRPr lang="en-US" altLang="ko-KR" dirty="0">
+              <a:latin typeface="나눔스퀘어 ExtraBold" panose="020B0600000101010101" pitchFamily="50" charset="-127"/>
+              <a:ea typeface="나눔스퀘어 ExtraBold" panose="020B0600000101010101" pitchFamily="50" charset="-127"/>
+            </a:endParaRPr>
+          </a:p>
+          <a:p>
+            <a:pPr marL="457200" lvl="0" indent="-317500" algn="l" rtl="0">
+              <a:spcBef>
+                <a:spcPts val="0"/>
+              </a:spcBef>
+              <a:spcAft>
+                <a:spcPts val="0"/>
+              </a:spcAft>
+              <a:buClr>
+                <a:schemeClr val="lt2"/>
+              </a:buClr>
+              <a:buSzPts val="1400"/>
+              <a:buChar char="●"/>
+            </a:pPr>
+            <a:endParaRPr lang="en-US" altLang="ko-KR" dirty="0">
+              <a:latin typeface="나눔스퀘어 ExtraBold" panose="020B0600000101010101" pitchFamily="50" charset="-127"/>
+              <a:ea typeface="나눔스퀘어 ExtraBold" panose="020B0600000101010101" pitchFamily="50" charset="-127"/>
+            </a:endParaRPr>
+          </a:p>
+          <a:p>
+            <a:pPr marL="457200" lvl="0" indent="-317500" algn="l" rtl="0">
+              <a:spcBef>
+                <a:spcPts val="0"/>
+              </a:spcBef>
+              <a:spcAft>
+                <a:spcPts val="0"/>
+              </a:spcAft>
+              <a:buClr>
+                <a:schemeClr val="lt2"/>
+              </a:buClr>
+              <a:buSzPts val="1400"/>
+              <a:buChar char="●"/>
+            </a:pPr>
+            <a:r>
+              <a:rPr lang="ko-KR" altLang="en-US" dirty="0">
+                <a:latin typeface="나눔스퀘어 ExtraBold" panose="020B0600000101010101" pitchFamily="50" charset="-127"/>
+                <a:ea typeface="나눔스퀘어 ExtraBold" panose="020B0600000101010101" pitchFamily="50" charset="-127"/>
+              </a:rPr>
+              <a:t>법과 질서가 중시</a:t>
+            </a:r>
+            <a:endParaRPr dirty="0">
+              <a:latin typeface="나눔스퀘어 ExtraBold" panose="020B0600000101010101" pitchFamily="50" charset="-127"/>
+              <a:ea typeface="나눔스퀘어 ExtraBold" panose="020B0600000101010101" pitchFamily="50" charset="-127"/>
+            </a:endParaRPr>
           </a:p>
         </p:txBody>
       </p:sp>
@@ -23789,10 +24360,200 @@
               <a:buChar char="●"/>
             </a:pPr>
             <a:r>
-              <a:rPr lang="en-US" dirty="0"/>
-              <a:t>None</a:t>
+              <a:rPr lang="en-US" dirty="0" err="1">
+                <a:latin typeface="나눔스퀘어 ExtraBold" panose="020B0600000101010101" pitchFamily="50" charset="-127"/>
+                <a:ea typeface="나눔스퀘어 ExtraBold" panose="020B0600000101010101" pitchFamily="50" charset="-127"/>
+              </a:rPr>
+              <a:t>Verita</a:t>
             </a:r>
-            <a:endParaRPr dirty="0"/>
+            <a:r>
+              <a:rPr lang="en-US" dirty="0">
+                <a:latin typeface="나눔스퀘어 ExtraBold" panose="020B0600000101010101" pitchFamily="50" charset="-127"/>
+                <a:ea typeface="나눔스퀘어 ExtraBold" panose="020B0600000101010101" pitchFamily="50" charset="-127"/>
+              </a:rPr>
+              <a:t> </a:t>
+            </a:r>
+            <a:r>
+              <a:rPr lang="ko-KR" altLang="en-US" dirty="0">
+                <a:latin typeface="나눔스퀘어 ExtraBold" panose="020B0600000101010101" pitchFamily="50" charset="-127"/>
+                <a:ea typeface="나눔스퀘어 ExtraBold" panose="020B0600000101010101" pitchFamily="50" charset="-127"/>
+              </a:rPr>
+              <a:t>팀과 적대하는 팀</a:t>
+            </a:r>
+            <a:endParaRPr lang="en-US" altLang="ko-KR" dirty="0">
+              <a:latin typeface="나눔스퀘어 ExtraBold" panose="020B0600000101010101" pitchFamily="50" charset="-127"/>
+              <a:ea typeface="나눔스퀘어 ExtraBold" panose="020B0600000101010101" pitchFamily="50" charset="-127"/>
+            </a:endParaRPr>
+          </a:p>
+          <a:p>
+            <a:pPr marL="457200" lvl="0" indent="-317500" algn="l" rtl="0">
+              <a:spcBef>
+                <a:spcPts val="0"/>
+              </a:spcBef>
+              <a:spcAft>
+                <a:spcPts val="0"/>
+              </a:spcAft>
+              <a:buClr>
+                <a:schemeClr val="lt2"/>
+              </a:buClr>
+              <a:buSzPts val="1400"/>
+              <a:buChar char="●"/>
+            </a:pPr>
+            <a:endParaRPr lang="en-US" altLang="ko-KR" dirty="0">
+              <a:latin typeface="나눔스퀘어 ExtraBold" panose="020B0600000101010101" pitchFamily="50" charset="-127"/>
+              <a:ea typeface="나눔스퀘어 ExtraBold" panose="020B0600000101010101" pitchFamily="50" charset="-127"/>
+            </a:endParaRPr>
+          </a:p>
+          <a:p>
+            <a:pPr marL="457200" lvl="0" indent="-317500" algn="l" rtl="0">
+              <a:spcBef>
+                <a:spcPts val="0"/>
+              </a:spcBef>
+              <a:spcAft>
+                <a:spcPts val="0"/>
+              </a:spcAft>
+              <a:buClr>
+                <a:schemeClr val="lt2"/>
+              </a:buClr>
+              <a:buSzPts val="1400"/>
+              <a:buChar char="●"/>
+            </a:pPr>
+            <a:r>
+              <a:rPr lang="en-US" dirty="0" err="1">
+                <a:latin typeface="나눔스퀘어 ExtraBold" panose="020B0600000101010101" pitchFamily="50" charset="-127"/>
+                <a:ea typeface="나눔스퀘어 ExtraBold" panose="020B0600000101010101" pitchFamily="50" charset="-127"/>
+              </a:rPr>
+              <a:t>Falso</a:t>
+            </a:r>
+            <a:r>
+              <a:rPr lang="ko-KR" altLang="en-US" dirty="0">
+                <a:latin typeface="나눔스퀘어 ExtraBold" panose="020B0600000101010101" pitchFamily="50" charset="-127"/>
+                <a:ea typeface="나눔스퀘어 ExtraBold" panose="020B0600000101010101" pitchFamily="50" charset="-127"/>
+              </a:rPr>
+              <a:t>의 전용 탱크</a:t>
+            </a:r>
+            <a:r>
+              <a:rPr lang="en-US" altLang="ko-KR" dirty="0">
+                <a:latin typeface="나눔스퀘어 ExtraBold" panose="020B0600000101010101" pitchFamily="50" charset="-127"/>
+                <a:ea typeface="나눔스퀘어 ExtraBold" panose="020B0600000101010101" pitchFamily="50" charset="-127"/>
+              </a:rPr>
+              <a:t>, </a:t>
+            </a:r>
+            <a:r>
+              <a:rPr lang="ko-KR" altLang="en-US" dirty="0">
+                <a:latin typeface="나눔스퀘어 ExtraBold" panose="020B0600000101010101" pitchFamily="50" charset="-127"/>
+                <a:ea typeface="나눔스퀘어 ExtraBold" panose="020B0600000101010101" pitchFamily="50" charset="-127"/>
+              </a:rPr>
+              <a:t>헬기</a:t>
+            </a:r>
+            <a:endParaRPr lang="en-US" altLang="ko-KR" dirty="0">
+              <a:latin typeface="나눔스퀘어 ExtraBold" panose="020B0600000101010101" pitchFamily="50" charset="-127"/>
+              <a:ea typeface="나눔스퀘어 ExtraBold" panose="020B0600000101010101" pitchFamily="50" charset="-127"/>
+            </a:endParaRPr>
+          </a:p>
+          <a:p>
+            <a:pPr marL="457200" lvl="0" indent="-317500" algn="l" rtl="0">
+              <a:spcBef>
+                <a:spcPts val="0"/>
+              </a:spcBef>
+              <a:spcAft>
+                <a:spcPts val="0"/>
+              </a:spcAft>
+              <a:buClr>
+                <a:schemeClr val="lt2"/>
+              </a:buClr>
+              <a:buSzPts val="1400"/>
+              <a:buChar char="●"/>
+            </a:pPr>
+            <a:endParaRPr lang="en-US" altLang="ko-KR" dirty="0">
+              <a:latin typeface="나눔스퀘어 ExtraBold" panose="020B0600000101010101" pitchFamily="50" charset="-127"/>
+              <a:ea typeface="나눔스퀘어 ExtraBold" panose="020B0600000101010101" pitchFamily="50" charset="-127"/>
+            </a:endParaRPr>
+          </a:p>
+          <a:p>
+            <a:pPr marL="457200" lvl="0" indent="-317500" algn="l" rtl="0">
+              <a:spcBef>
+                <a:spcPts val="0"/>
+              </a:spcBef>
+              <a:spcAft>
+                <a:spcPts val="0"/>
+              </a:spcAft>
+              <a:buClr>
+                <a:schemeClr val="lt2"/>
+              </a:buClr>
+              <a:buSzPts val="1400"/>
+              <a:buChar char="●"/>
+            </a:pPr>
+            <a:r>
+              <a:rPr lang="ko-KR" altLang="en-US" dirty="0">
+                <a:latin typeface="나눔스퀘어 ExtraBold" panose="020B0600000101010101" pitchFamily="50" charset="-127"/>
+                <a:ea typeface="나눔스퀘어 ExtraBold" panose="020B0600000101010101" pitchFamily="50" charset="-127"/>
+              </a:rPr>
+              <a:t>전용 탱크와 헬기에 따른 </a:t>
+            </a:r>
+            <a:r>
+              <a:rPr lang="en-US" altLang="ko-KR" dirty="0" err="1">
+                <a:latin typeface="나눔스퀘어 ExtraBold" panose="020B0600000101010101" pitchFamily="50" charset="-127"/>
+                <a:ea typeface="나눔스퀘어 ExtraBold" panose="020B0600000101010101" pitchFamily="50" charset="-127"/>
+              </a:rPr>
+              <a:t>Falso</a:t>
+            </a:r>
+            <a:r>
+              <a:rPr lang="ko-KR" altLang="en-US" dirty="0">
+                <a:latin typeface="나눔스퀘어 ExtraBold" panose="020B0600000101010101" pitchFamily="50" charset="-127"/>
+                <a:ea typeface="나눔스퀘어 ExtraBold" panose="020B0600000101010101" pitchFamily="50" charset="-127"/>
+              </a:rPr>
+              <a:t>만의 전용 기술</a:t>
+            </a:r>
+            <a:endParaRPr lang="en-US" altLang="ko-KR" dirty="0">
+              <a:latin typeface="나눔스퀘어 ExtraBold" panose="020B0600000101010101" pitchFamily="50" charset="-127"/>
+              <a:ea typeface="나눔스퀘어 ExtraBold" panose="020B0600000101010101" pitchFamily="50" charset="-127"/>
+            </a:endParaRPr>
+          </a:p>
+          <a:p>
+            <a:pPr marL="457200" lvl="0" indent="-317500" algn="l" rtl="0">
+              <a:spcBef>
+                <a:spcPts val="0"/>
+              </a:spcBef>
+              <a:spcAft>
+                <a:spcPts val="0"/>
+              </a:spcAft>
+              <a:buClr>
+                <a:schemeClr val="lt2"/>
+              </a:buClr>
+              <a:buSzPts val="1400"/>
+              <a:buChar char="●"/>
+            </a:pPr>
+            <a:endParaRPr lang="en-US" altLang="ko-KR" dirty="0">
+              <a:latin typeface="나눔스퀘어 ExtraBold" panose="020B0600000101010101" pitchFamily="50" charset="-127"/>
+              <a:ea typeface="나눔스퀘어 ExtraBold" panose="020B0600000101010101" pitchFamily="50" charset="-127"/>
+            </a:endParaRPr>
+          </a:p>
+          <a:p>
+            <a:pPr marL="457200" lvl="0" indent="-317500" algn="l" rtl="0">
+              <a:spcBef>
+                <a:spcPts val="0"/>
+              </a:spcBef>
+              <a:spcAft>
+                <a:spcPts val="0"/>
+              </a:spcAft>
+              <a:buClr>
+                <a:schemeClr val="lt2"/>
+              </a:buClr>
+              <a:buSzPts val="1400"/>
+              <a:buChar char="●"/>
+            </a:pPr>
+            <a:r>
+              <a:rPr lang="ko-KR" altLang="en-US" dirty="0">
+                <a:latin typeface="나눔스퀘어 ExtraBold" panose="020B0600000101010101" pitchFamily="50" charset="-127"/>
+                <a:ea typeface="나눔스퀘어 ExtraBold" panose="020B0600000101010101" pitchFamily="50" charset="-127"/>
+              </a:rPr>
+              <a:t>무력이 중시</a:t>
+            </a:r>
+            <a:endParaRPr dirty="0">
+              <a:latin typeface="나눔스퀘어 ExtraBold" panose="020B0600000101010101" pitchFamily="50" charset="-127"/>
+              <a:ea typeface="나눔스퀘어 ExtraBold" panose="020B0600000101010101" pitchFamily="50" charset="-127"/>
+            </a:endParaRPr>
           </a:p>
         </p:txBody>
       </p:sp>
@@ -23879,8 +24640,8 @@
               <a:buNone/>
             </a:pPr>
             <a:r>
-              <a:rPr lang="ko-KR" altLang="en-US" dirty="0"/>
-              <a:t>미정</a:t>
+              <a:rPr lang="en-US" dirty="0" err="1"/>
+              <a:t>Verita</a:t>
             </a:r>
             <a:endParaRPr dirty="0"/>
           </a:p>
@@ -23921,8 +24682,8 @@
               <a:buNone/>
             </a:pPr>
             <a:r>
-              <a:rPr lang="ko-KR" altLang="en-US" dirty="0"/>
-              <a:t>미정</a:t>
+              <a:rPr lang="en-US" altLang="ko-KR" dirty="0" err="1"/>
+              <a:t>Falso</a:t>
             </a:r>
             <a:endParaRPr dirty="0"/>
           </a:p>
